--- a/baekjoon/b3109/b3109.pptx
+++ b/baekjoon/b3109/b3109.pptx
@@ -458,7 +458,7 @@
           <a:p>
             <a:fld id="{196A0071-D323-4306-B194-69F113F61C9F}" type="datetimeFigureOut">
               <a:rPr lang="ko-KR" altLang="en-US" smtClean="0"/>
-              <a:t>2025-06-25</a:t>
+              <a:t>2025. 6. 26.</a:t>
             </a:fld>
             <a:endParaRPr lang="ko-KR" altLang="en-US"/>
           </a:p>
@@ -658,7 +658,7 @@
           <a:p>
             <a:fld id="{196A0071-D323-4306-B194-69F113F61C9F}" type="datetimeFigureOut">
               <a:rPr lang="ko-KR" altLang="en-US" smtClean="0"/>
-              <a:t>2025-06-25</a:t>
+              <a:t>2025. 6. 26.</a:t>
             </a:fld>
             <a:endParaRPr lang="ko-KR" altLang="en-US"/>
           </a:p>
@@ -868,7 +868,7 @@
           <a:p>
             <a:fld id="{196A0071-D323-4306-B194-69F113F61C9F}" type="datetimeFigureOut">
               <a:rPr lang="ko-KR" altLang="en-US" smtClean="0"/>
-              <a:t>2025-06-25</a:t>
+              <a:t>2025. 6. 26.</a:t>
             </a:fld>
             <a:endParaRPr lang="ko-KR" altLang="en-US"/>
           </a:p>
@@ -1068,7 +1068,7 @@
           <a:p>
             <a:fld id="{196A0071-D323-4306-B194-69F113F61C9F}" type="datetimeFigureOut">
               <a:rPr lang="ko-KR" altLang="en-US" smtClean="0"/>
-              <a:t>2025-06-25</a:t>
+              <a:t>2025. 6. 26.</a:t>
             </a:fld>
             <a:endParaRPr lang="ko-KR" altLang="en-US"/>
           </a:p>
@@ -1344,7 +1344,7 @@
           <a:p>
             <a:fld id="{196A0071-D323-4306-B194-69F113F61C9F}" type="datetimeFigureOut">
               <a:rPr lang="ko-KR" altLang="en-US" smtClean="0"/>
-              <a:t>2025-06-25</a:t>
+              <a:t>2025. 6. 26.</a:t>
             </a:fld>
             <a:endParaRPr lang="ko-KR" altLang="en-US"/>
           </a:p>
@@ -1612,7 +1612,7 @@
           <a:p>
             <a:fld id="{196A0071-D323-4306-B194-69F113F61C9F}" type="datetimeFigureOut">
               <a:rPr lang="ko-KR" altLang="en-US" smtClean="0"/>
-              <a:t>2025-06-25</a:t>
+              <a:t>2025. 6. 26.</a:t>
             </a:fld>
             <a:endParaRPr lang="ko-KR" altLang="en-US"/>
           </a:p>
@@ -2027,7 +2027,7 @@
           <a:p>
             <a:fld id="{196A0071-D323-4306-B194-69F113F61C9F}" type="datetimeFigureOut">
               <a:rPr lang="ko-KR" altLang="en-US" smtClean="0"/>
-              <a:t>2025-06-25</a:t>
+              <a:t>2025. 6. 26.</a:t>
             </a:fld>
             <a:endParaRPr lang="ko-KR" altLang="en-US"/>
           </a:p>
@@ -2169,7 +2169,7 @@
           <a:p>
             <a:fld id="{196A0071-D323-4306-B194-69F113F61C9F}" type="datetimeFigureOut">
               <a:rPr lang="ko-KR" altLang="en-US" smtClean="0"/>
-              <a:t>2025-06-25</a:t>
+              <a:t>2025. 6. 26.</a:t>
             </a:fld>
             <a:endParaRPr lang="ko-KR" altLang="en-US"/>
           </a:p>
@@ -2282,7 +2282,7 @@
           <a:p>
             <a:fld id="{196A0071-D323-4306-B194-69F113F61C9F}" type="datetimeFigureOut">
               <a:rPr lang="ko-KR" altLang="en-US" smtClean="0"/>
-              <a:t>2025-06-25</a:t>
+              <a:t>2025. 6. 26.</a:t>
             </a:fld>
             <a:endParaRPr lang="ko-KR" altLang="en-US"/>
           </a:p>
@@ -2595,7 +2595,7 @@
           <a:p>
             <a:fld id="{196A0071-D323-4306-B194-69F113F61C9F}" type="datetimeFigureOut">
               <a:rPr lang="ko-KR" altLang="en-US" smtClean="0"/>
-              <a:t>2025-06-25</a:t>
+              <a:t>2025. 6. 26.</a:t>
             </a:fld>
             <a:endParaRPr lang="ko-KR" altLang="en-US"/>
           </a:p>
@@ -2884,7 +2884,7 @@
           <a:p>
             <a:fld id="{196A0071-D323-4306-B194-69F113F61C9F}" type="datetimeFigureOut">
               <a:rPr lang="ko-KR" altLang="en-US" smtClean="0"/>
-              <a:t>2025-06-25</a:t>
+              <a:t>2025. 6. 26.</a:t>
             </a:fld>
             <a:endParaRPr lang="ko-KR" altLang="en-US"/>
           </a:p>
@@ -3127,7 +3127,7 @@
           <a:p>
             <a:fld id="{196A0071-D323-4306-B194-69F113F61C9F}" type="datetimeFigureOut">
               <a:rPr lang="ko-KR" altLang="en-US" smtClean="0"/>
-              <a:t>2025-06-25</a:t>
+              <a:t>2025. 6. 26.</a:t>
             </a:fld>
             <a:endParaRPr lang="ko-KR" altLang="en-US"/>
           </a:p>
@@ -4913,6 +4913,66 @@
             <a:endParaRPr lang="ko-KR" altLang="en-US" sz="2000" spc="300" dirty="0">
               <a:latin typeface="Consolas" panose="020B0609020204030204" pitchFamily="49" charset="0"/>
             </a:endParaRPr>
+          </a:p>
+        </p:txBody>
+      </p:sp>
+      <p:sp>
+        <p:nvSpPr>
+          <p:cNvPr id="2" name="TextBox 1">
+            <a:extLst>
+              <a:ext uri="{FF2B5EF4-FFF2-40B4-BE49-F238E27FC236}">
+                <a16:creationId xmlns:a16="http://schemas.microsoft.com/office/drawing/2014/main" id="{14F836CC-92E2-F2FF-A0E2-C76DCDD180D2}"/>
+              </a:ext>
+            </a:extLst>
+          </p:cNvPr>
+          <p:cNvSpPr txBox="1"/>
+          <p:nvPr/>
+        </p:nvSpPr>
+        <p:spPr>
+          <a:xfrm>
+            <a:off x="3907971" y="772886"/>
+            <a:ext cx="3393878" cy="400110"/>
+          </a:xfrm>
+          <a:prstGeom prst="rect">
+            <a:avLst/>
+          </a:prstGeom>
+          <a:noFill/>
+        </p:spPr>
+        <p:txBody>
+          <a:bodyPr wrap="none" rtlCol="0">
+            <a:spAutoFit/>
+          </a:bodyPr>
+          <a:lstStyle/>
+          <a:p>
+            <a:pPr algn="l"/>
+            <a:r>
+              <a:rPr lang="ko-KR" altLang="en-US" sz="1000" dirty="0"/>
+              <a:t>이 그림의 규칙을 그리디로 구현할 수 있을 것 같긴한데</a:t>
+            </a:r>
+            <a:r>
+              <a:rPr lang="en-US" altLang="ko-KR" sz="1000" dirty="0"/>
+              <a:t>,</a:t>
+            </a:r>
+          </a:p>
+          <a:p>
+            <a:pPr algn="l"/>
+            <a:r>
+              <a:rPr lang="en-US" sz="1000" dirty="0"/>
+              <a:t>DFS  </a:t>
+            </a:r>
+            <a:r>
+              <a:rPr lang="ko-KR" altLang="en-US" sz="1000" dirty="0"/>
+              <a:t>구현도 워낙 간결해서</a:t>
+            </a:r>
+            <a:r>
+              <a:rPr lang="en-US" altLang="ko-KR" sz="1000" dirty="0"/>
+              <a:t>,</a:t>
+            </a:r>
+            <a:r>
+              <a:rPr lang="ko-KR" altLang="en-US" sz="1000" dirty="0"/>
+              <a:t> 굳이 그러고 싶지 않음</a:t>
+            </a:r>
+            <a:endParaRPr lang="en-KR" sz="1000" dirty="0"/>
           </a:p>
         </p:txBody>
       </p:sp>
